--- a/ppt 16-9/1554.一生跟随.pptx
+++ b/ppt 16-9/1554.一生跟随.pptx
@@ -129,7 +129,7 @@
           <p:cNvPr id="2" name="标题 1">
             <a:extLst>
               <a:ext uri="{FF2B5EF4-FFF2-40B4-BE49-F238E27FC236}">
-                <a16:creationId xmlns:a16="http://schemas.microsoft.com/office/drawing/2014/main" id="{D7FBA870-8AFC-B37C-F7F6-8AC10AA5D38A}"/>
+                <a16:creationId xmlns:a16="http://schemas.microsoft.com/office/drawing/2014/main" id="{801F512F-9544-E90D-62BE-A2BF53138B4D}"/>
               </a:ext>
             </a:extLst>
           </p:cNvPr>
@@ -166,7 +166,7 @@
           <p:cNvPr id="3" name="副标题 2">
             <a:extLst>
               <a:ext uri="{FF2B5EF4-FFF2-40B4-BE49-F238E27FC236}">
-                <a16:creationId xmlns:a16="http://schemas.microsoft.com/office/drawing/2014/main" id="{E1E02E08-25B3-9915-22B3-68DA16CE1C26}"/>
+                <a16:creationId xmlns:a16="http://schemas.microsoft.com/office/drawing/2014/main" id="{8BD2FF95-F408-3217-AF69-3E58E83F8C19}"/>
               </a:ext>
             </a:extLst>
           </p:cNvPr>
@@ -236,7 +236,7 @@
           <p:cNvPr id="4" name="日期占位符 3">
             <a:extLst>
               <a:ext uri="{FF2B5EF4-FFF2-40B4-BE49-F238E27FC236}">
-                <a16:creationId xmlns:a16="http://schemas.microsoft.com/office/drawing/2014/main" id="{38D07BA8-A38D-326C-30D1-BF751B126EFB}"/>
+                <a16:creationId xmlns:a16="http://schemas.microsoft.com/office/drawing/2014/main" id="{36A3D4C9-65F2-1F01-CDA6-30D8FCB02852}"/>
               </a:ext>
             </a:extLst>
           </p:cNvPr>
@@ -252,7 +252,7 @@
           <a:bodyPr/>
           <a:lstStyle/>
           <a:p>
-            <a:fld id="{812EF347-3A69-46C2-8F37-13431322BC4E}" type="datetimeFigureOut">
+            <a:fld id="{0CD3305D-1596-4F1C-8A5C-B8B9FDF45609}" type="datetimeFigureOut">
               <a:rPr lang="zh-CN" altLang="en-US" smtClean="0"/>
               <a:t>2024/3/10</a:t>
             </a:fld>
@@ -265,7 +265,7 @@
           <p:cNvPr id="5" name="页脚占位符 4">
             <a:extLst>
               <a:ext uri="{FF2B5EF4-FFF2-40B4-BE49-F238E27FC236}">
-                <a16:creationId xmlns:a16="http://schemas.microsoft.com/office/drawing/2014/main" id="{8C2DE4E1-7EB2-08AF-8C1F-BE9EA315B584}"/>
+                <a16:creationId xmlns:a16="http://schemas.microsoft.com/office/drawing/2014/main" id="{6F0260D4-80F4-73F9-8048-34F5484ABDBF}"/>
               </a:ext>
             </a:extLst>
           </p:cNvPr>
@@ -290,7 +290,7 @@
           <p:cNvPr id="6" name="灯片编号占位符 5">
             <a:extLst>
               <a:ext uri="{FF2B5EF4-FFF2-40B4-BE49-F238E27FC236}">
-                <a16:creationId xmlns:a16="http://schemas.microsoft.com/office/drawing/2014/main" id="{030F17EA-91DB-D0FC-43B5-03933B999F64}"/>
+                <a16:creationId xmlns:a16="http://schemas.microsoft.com/office/drawing/2014/main" id="{E11AAE03-9B41-9384-FB22-02D6DC7A7C73}"/>
               </a:ext>
             </a:extLst>
           </p:cNvPr>
@@ -306,7 +306,7 @@
           <a:bodyPr/>
           <a:lstStyle/>
           <a:p>
-            <a:fld id="{07913BE9-4361-4171-8EAB-358602CAEF7C}" type="slidenum">
+            <a:fld id="{E0C4478A-B37C-4828-B1B3-674805403F8A}" type="slidenum">
               <a:rPr lang="zh-CN" altLang="en-US" smtClean="0"/>
               <a:t>‹#›</a:t>
             </a:fld>
@@ -317,7 +317,7 @@
     </p:spTree>
     <p:extLst>
       <p:ext uri="{BB962C8B-B14F-4D97-AF65-F5344CB8AC3E}">
-        <p14:creationId xmlns:p14="http://schemas.microsoft.com/office/powerpoint/2010/main" val="305322259"/>
+        <p14:creationId xmlns:p14="http://schemas.microsoft.com/office/powerpoint/2010/main" val="1308449374"/>
       </p:ext>
     </p:extLst>
   </p:cSld>
@@ -349,7 +349,7 @@
           <p:cNvPr id="2" name="标题 1">
             <a:extLst>
               <a:ext uri="{FF2B5EF4-FFF2-40B4-BE49-F238E27FC236}">
-                <a16:creationId xmlns:a16="http://schemas.microsoft.com/office/drawing/2014/main" id="{06F2A854-43B3-FBEB-F284-1483F28BC847}"/>
+                <a16:creationId xmlns:a16="http://schemas.microsoft.com/office/drawing/2014/main" id="{BBB47091-B593-3A0D-621B-905601D0930D}"/>
               </a:ext>
             </a:extLst>
           </p:cNvPr>
@@ -377,7 +377,7 @@
           <p:cNvPr id="3" name="竖排文字占位符 2">
             <a:extLst>
               <a:ext uri="{FF2B5EF4-FFF2-40B4-BE49-F238E27FC236}">
-                <a16:creationId xmlns:a16="http://schemas.microsoft.com/office/drawing/2014/main" id="{98EC04BC-D4FA-1B09-E528-7BA6F7D21464}"/>
+                <a16:creationId xmlns:a16="http://schemas.microsoft.com/office/drawing/2014/main" id="{94EC1059-6EBB-EE77-9816-DEACCEF47D9A}"/>
               </a:ext>
             </a:extLst>
           </p:cNvPr>
@@ -434,7 +434,7 @@
           <p:cNvPr id="4" name="日期占位符 3">
             <a:extLst>
               <a:ext uri="{FF2B5EF4-FFF2-40B4-BE49-F238E27FC236}">
-                <a16:creationId xmlns:a16="http://schemas.microsoft.com/office/drawing/2014/main" id="{76A87161-5431-0BCF-BD84-27CB0CBA94EB}"/>
+                <a16:creationId xmlns:a16="http://schemas.microsoft.com/office/drawing/2014/main" id="{321B5270-7177-400B-0B56-4C3ECA257EE0}"/>
               </a:ext>
             </a:extLst>
           </p:cNvPr>
@@ -450,7 +450,7 @@
           <a:bodyPr/>
           <a:lstStyle/>
           <a:p>
-            <a:fld id="{812EF347-3A69-46C2-8F37-13431322BC4E}" type="datetimeFigureOut">
+            <a:fld id="{0CD3305D-1596-4F1C-8A5C-B8B9FDF45609}" type="datetimeFigureOut">
               <a:rPr lang="zh-CN" altLang="en-US" smtClean="0"/>
               <a:t>2024/3/10</a:t>
             </a:fld>
@@ -463,7 +463,7 @@
           <p:cNvPr id="5" name="页脚占位符 4">
             <a:extLst>
               <a:ext uri="{FF2B5EF4-FFF2-40B4-BE49-F238E27FC236}">
-                <a16:creationId xmlns:a16="http://schemas.microsoft.com/office/drawing/2014/main" id="{1BE41525-42B0-8BE0-FAAC-9CBD883482ED}"/>
+                <a16:creationId xmlns:a16="http://schemas.microsoft.com/office/drawing/2014/main" id="{7B19C442-78DD-D01F-21D6-3557F3BFA036}"/>
               </a:ext>
             </a:extLst>
           </p:cNvPr>
@@ -488,7 +488,7 @@
           <p:cNvPr id="6" name="灯片编号占位符 5">
             <a:extLst>
               <a:ext uri="{FF2B5EF4-FFF2-40B4-BE49-F238E27FC236}">
-                <a16:creationId xmlns:a16="http://schemas.microsoft.com/office/drawing/2014/main" id="{F21844C0-8201-4016-171D-8DF2CA26F05F}"/>
+                <a16:creationId xmlns:a16="http://schemas.microsoft.com/office/drawing/2014/main" id="{02F681EC-D87E-0C2E-B817-D359A8C83425}"/>
               </a:ext>
             </a:extLst>
           </p:cNvPr>
@@ -504,7 +504,7 @@
           <a:bodyPr/>
           <a:lstStyle/>
           <a:p>
-            <a:fld id="{07913BE9-4361-4171-8EAB-358602CAEF7C}" type="slidenum">
+            <a:fld id="{E0C4478A-B37C-4828-B1B3-674805403F8A}" type="slidenum">
               <a:rPr lang="zh-CN" altLang="en-US" smtClean="0"/>
               <a:t>‹#›</a:t>
             </a:fld>
@@ -515,7 +515,7 @@
     </p:spTree>
     <p:extLst>
       <p:ext uri="{BB962C8B-B14F-4D97-AF65-F5344CB8AC3E}">
-        <p14:creationId xmlns:p14="http://schemas.microsoft.com/office/powerpoint/2010/main" val="1327835577"/>
+        <p14:creationId xmlns:p14="http://schemas.microsoft.com/office/powerpoint/2010/main" val="1231549382"/>
       </p:ext>
     </p:extLst>
   </p:cSld>
@@ -547,7 +547,7 @@
           <p:cNvPr id="2" name="竖排标题 1">
             <a:extLst>
               <a:ext uri="{FF2B5EF4-FFF2-40B4-BE49-F238E27FC236}">
-                <a16:creationId xmlns:a16="http://schemas.microsoft.com/office/drawing/2014/main" id="{2F54AA67-829C-6713-24B3-F94D07C01A3E}"/>
+                <a16:creationId xmlns:a16="http://schemas.microsoft.com/office/drawing/2014/main" id="{B5001B49-FEFE-327C-8610-7E3F94F50ED6}"/>
               </a:ext>
             </a:extLst>
           </p:cNvPr>
@@ -580,7 +580,7 @@
           <p:cNvPr id="3" name="竖排文字占位符 2">
             <a:extLst>
               <a:ext uri="{FF2B5EF4-FFF2-40B4-BE49-F238E27FC236}">
-                <a16:creationId xmlns:a16="http://schemas.microsoft.com/office/drawing/2014/main" id="{B6E2F83D-02B4-D875-E94C-FBACB25F1B4F}"/>
+                <a16:creationId xmlns:a16="http://schemas.microsoft.com/office/drawing/2014/main" id="{3CD30027-5CF6-B326-35BA-8E186DD4882D}"/>
               </a:ext>
             </a:extLst>
           </p:cNvPr>
@@ -642,7 +642,7 @@
           <p:cNvPr id="4" name="日期占位符 3">
             <a:extLst>
               <a:ext uri="{FF2B5EF4-FFF2-40B4-BE49-F238E27FC236}">
-                <a16:creationId xmlns:a16="http://schemas.microsoft.com/office/drawing/2014/main" id="{70B21645-2670-B9F9-8A7B-B27DB3A3A7F6}"/>
+                <a16:creationId xmlns:a16="http://schemas.microsoft.com/office/drawing/2014/main" id="{8B046FC7-CD1D-24B3-991F-E3CBA4D5D417}"/>
               </a:ext>
             </a:extLst>
           </p:cNvPr>
@@ -658,7 +658,7 @@
           <a:bodyPr/>
           <a:lstStyle/>
           <a:p>
-            <a:fld id="{812EF347-3A69-46C2-8F37-13431322BC4E}" type="datetimeFigureOut">
+            <a:fld id="{0CD3305D-1596-4F1C-8A5C-B8B9FDF45609}" type="datetimeFigureOut">
               <a:rPr lang="zh-CN" altLang="en-US" smtClean="0"/>
               <a:t>2024/3/10</a:t>
             </a:fld>
@@ -671,7 +671,7 @@
           <p:cNvPr id="5" name="页脚占位符 4">
             <a:extLst>
               <a:ext uri="{FF2B5EF4-FFF2-40B4-BE49-F238E27FC236}">
-                <a16:creationId xmlns:a16="http://schemas.microsoft.com/office/drawing/2014/main" id="{0810985B-998E-C07A-C9AC-972972274D95}"/>
+                <a16:creationId xmlns:a16="http://schemas.microsoft.com/office/drawing/2014/main" id="{83779E44-E811-759C-C6DC-63C32AB644B2}"/>
               </a:ext>
             </a:extLst>
           </p:cNvPr>
@@ -696,7 +696,7 @@
           <p:cNvPr id="6" name="灯片编号占位符 5">
             <a:extLst>
               <a:ext uri="{FF2B5EF4-FFF2-40B4-BE49-F238E27FC236}">
-                <a16:creationId xmlns:a16="http://schemas.microsoft.com/office/drawing/2014/main" id="{A58F777D-3FA0-BD9B-9AB1-D1923A592C14}"/>
+                <a16:creationId xmlns:a16="http://schemas.microsoft.com/office/drawing/2014/main" id="{01D72B7E-FFEB-0D47-3D31-97EAE7C1ED06}"/>
               </a:ext>
             </a:extLst>
           </p:cNvPr>
@@ -712,7 +712,7 @@
           <a:bodyPr/>
           <a:lstStyle/>
           <a:p>
-            <a:fld id="{07913BE9-4361-4171-8EAB-358602CAEF7C}" type="slidenum">
+            <a:fld id="{E0C4478A-B37C-4828-B1B3-674805403F8A}" type="slidenum">
               <a:rPr lang="zh-CN" altLang="en-US" smtClean="0"/>
               <a:t>‹#›</a:t>
             </a:fld>
@@ -723,7 +723,7 @@
     </p:spTree>
     <p:extLst>
       <p:ext uri="{BB962C8B-B14F-4D97-AF65-F5344CB8AC3E}">
-        <p14:creationId xmlns:p14="http://schemas.microsoft.com/office/powerpoint/2010/main" val="2486475913"/>
+        <p14:creationId xmlns:p14="http://schemas.microsoft.com/office/powerpoint/2010/main" val="2247164597"/>
       </p:ext>
     </p:extLst>
   </p:cSld>
@@ -755,7 +755,7 @@
           <p:cNvPr id="2" name="标题 1">
             <a:extLst>
               <a:ext uri="{FF2B5EF4-FFF2-40B4-BE49-F238E27FC236}">
-                <a16:creationId xmlns:a16="http://schemas.microsoft.com/office/drawing/2014/main" id="{5622E703-555F-DE9E-5321-3316F9AABC2D}"/>
+                <a16:creationId xmlns:a16="http://schemas.microsoft.com/office/drawing/2014/main" id="{F4AAC33B-71CF-F676-1439-3CD144A734DD}"/>
               </a:ext>
             </a:extLst>
           </p:cNvPr>
@@ -783,7 +783,7 @@
           <p:cNvPr id="3" name="内容占位符 2">
             <a:extLst>
               <a:ext uri="{FF2B5EF4-FFF2-40B4-BE49-F238E27FC236}">
-                <a16:creationId xmlns:a16="http://schemas.microsoft.com/office/drawing/2014/main" id="{E2C8D7BE-1FB3-D139-6A90-76125ACED7F2}"/>
+                <a16:creationId xmlns:a16="http://schemas.microsoft.com/office/drawing/2014/main" id="{5B02652C-94FD-B9FA-0E7B-A8975AB92197}"/>
               </a:ext>
             </a:extLst>
           </p:cNvPr>
@@ -840,7 +840,7 @@
           <p:cNvPr id="4" name="日期占位符 3">
             <a:extLst>
               <a:ext uri="{FF2B5EF4-FFF2-40B4-BE49-F238E27FC236}">
-                <a16:creationId xmlns:a16="http://schemas.microsoft.com/office/drawing/2014/main" id="{2BEE1C14-836D-3A0D-8912-8D7EB53D8C33}"/>
+                <a16:creationId xmlns:a16="http://schemas.microsoft.com/office/drawing/2014/main" id="{BF1C271F-F042-E159-F48F-180BA3D63467}"/>
               </a:ext>
             </a:extLst>
           </p:cNvPr>
@@ -856,7 +856,7 @@
           <a:bodyPr/>
           <a:lstStyle/>
           <a:p>
-            <a:fld id="{812EF347-3A69-46C2-8F37-13431322BC4E}" type="datetimeFigureOut">
+            <a:fld id="{0CD3305D-1596-4F1C-8A5C-B8B9FDF45609}" type="datetimeFigureOut">
               <a:rPr lang="zh-CN" altLang="en-US" smtClean="0"/>
               <a:t>2024/3/10</a:t>
             </a:fld>
@@ -869,7 +869,7 @@
           <p:cNvPr id="5" name="页脚占位符 4">
             <a:extLst>
               <a:ext uri="{FF2B5EF4-FFF2-40B4-BE49-F238E27FC236}">
-                <a16:creationId xmlns:a16="http://schemas.microsoft.com/office/drawing/2014/main" id="{C618510A-7E6D-02A8-03DD-A89DD4AB0831}"/>
+                <a16:creationId xmlns:a16="http://schemas.microsoft.com/office/drawing/2014/main" id="{B9A2A0F0-11EA-8709-38FB-6076942126E7}"/>
               </a:ext>
             </a:extLst>
           </p:cNvPr>
@@ -894,7 +894,7 @@
           <p:cNvPr id="6" name="灯片编号占位符 5">
             <a:extLst>
               <a:ext uri="{FF2B5EF4-FFF2-40B4-BE49-F238E27FC236}">
-                <a16:creationId xmlns:a16="http://schemas.microsoft.com/office/drawing/2014/main" id="{7739093D-A97C-1979-17F9-2049D1303F7F}"/>
+                <a16:creationId xmlns:a16="http://schemas.microsoft.com/office/drawing/2014/main" id="{9F532EA0-98F2-8CE8-ECAD-1AB21371ADA8}"/>
               </a:ext>
             </a:extLst>
           </p:cNvPr>
@@ -910,7 +910,7 @@
           <a:bodyPr/>
           <a:lstStyle/>
           <a:p>
-            <a:fld id="{07913BE9-4361-4171-8EAB-358602CAEF7C}" type="slidenum">
+            <a:fld id="{E0C4478A-B37C-4828-B1B3-674805403F8A}" type="slidenum">
               <a:rPr lang="zh-CN" altLang="en-US" smtClean="0"/>
               <a:t>‹#›</a:t>
             </a:fld>
@@ -921,7 +921,7 @@
     </p:spTree>
     <p:extLst>
       <p:ext uri="{BB962C8B-B14F-4D97-AF65-F5344CB8AC3E}">
-        <p14:creationId xmlns:p14="http://schemas.microsoft.com/office/powerpoint/2010/main" val="1144444073"/>
+        <p14:creationId xmlns:p14="http://schemas.microsoft.com/office/powerpoint/2010/main" val="1779568822"/>
       </p:ext>
     </p:extLst>
   </p:cSld>
@@ -953,7 +953,7 @@
           <p:cNvPr id="2" name="标题 1">
             <a:extLst>
               <a:ext uri="{FF2B5EF4-FFF2-40B4-BE49-F238E27FC236}">
-                <a16:creationId xmlns:a16="http://schemas.microsoft.com/office/drawing/2014/main" id="{2BF19688-AC01-43CD-30B0-0BDA94550D5C}"/>
+                <a16:creationId xmlns:a16="http://schemas.microsoft.com/office/drawing/2014/main" id="{DD0CC26B-7AA8-C4EE-D0BA-D1640BC4B4AF}"/>
               </a:ext>
             </a:extLst>
           </p:cNvPr>
@@ -990,7 +990,7 @@
           <p:cNvPr id="3" name="文本占位符 2">
             <a:extLst>
               <a:ext uri="{FF2B5EF4-FFF2-40B4-BE49-F238E27FC236}">
-                <a16:creationId xmlns:a16="http://schemas.microsoft.com/office/drawing/2014/main" id="{285517FD-80E2-DF3D-4743-4AD484B4CF1A}"/>
+                <a16:creationId xmlns:a16="http://schemas.microsoft.com/office/drawing/2014/main" id="{8F2ECCF5-4A4C-8C6D-ED20-EE177349B153}"/>
               </a:ext>
             </a:extLst>
           </p:cNvPr>
@@ -1115,7 +1115,7 @@
           <p:cNvPr id="4" name="日期占位符 3">
             <a:extLst>
               <a:ext uri="{FF2B5EF4-FFF2-40B4-BE49-F238E27FC236}">
-                <a16:creationId xmlns:a16="http://schemas.microsoft.com/office/drawing/2014/main" id="{4A439DD9-8819-CA62-A81E-08C4C62DE6B6}"/>
+                <a16:creationId xmlns:a16="http://schemas.microsoft.com/office/drawing/2014/main" id="{18671863-6EAC-2C70-2797-9C84D64AC467}"/>
               </a:ext>
             </a:extLst>
           </p:cNvPr>
@@ -1131,7 +1131,7 @@
           <a:bodyPr/>
           <a:lstStyle/>
           <a:p>
-            <a:fld id="{812EF347-3A69-46C2-8F37-13431322BC4E}" type="datetimeFigureOut">
+            <a:fld id="{0CD3305D-1596-4F1C-8A5C-B8B9FDF45609}" type="datetimeFigureOut">
               <a:rPr lang="zh-CN" altLang="en-US" smtClean="0"/>
               <a:t>2024/3/10</a:t>
             </a:fld>
@@ -1144,7 +1144,7 @@
           <p:cNvPr id="5" name="页脚占位符 4">
             <a:extLst>
               <a:ext uri="{FF2B5EF4-FFF2-40B4-BE49-F238E27FC236}">
-                <a16:creationId xmlns:a16="http://schemas.microsoft.com/office/drawing/2014/main" id="{699CA8D5-4BF0-91CE-E363-9D7904B6A667}"/>
+                <a16:creationId xmlns:a16="http://schemas.microsoft.com/office/drawing/2014/main" id="{E76A440A-8E97-8ACC-A30D-8C5F4896C502}"/>
               </a:ext>
             </a:extLst>
           </p:cNvPr>
@@ -1169,7 +1169,7 @@
           <p:cNvPr id="6" name="灯片编号占位符 5">
             <a:extLst>
               <a:ext uri="{FF2B5EF4-FFF2-40B4-BE49-F238E27FC236}">
-                <a16:creationId xmlns:a16="http://schemas.microsoft.com/office/drawing/2014/main" id="{D22085ED-0FA3-F342-C78D-F00CA3134674}"/>
+                <a16:creationId xmlns:a16="http://schemas.microsoft.com/office/drawing/2014/main" id="{095E75E6-D5F4-0225-CD07-1C1207952E77}"/>
               </a:ext>
             </a:extLst>
           </p:cNvPr>
@@ -1185,7 +1185,7 @@
           <a:bodyPr/>
           <a:lstStyle/>
           <a:p>
-            <a:fld id="{07913BE9-4361-4171-8EAB-358602CAEF7C}" type="slidenum">
+            <a:fld id="{E0C4478A-B37C-4828-B1B3-674805403F8A}" type="slidenum">
               <a:rPr lang="zh-CN" altLang="en-US" smtClean="0"/>
               <a:t>‹#›</a:t>
             </a:fld>
@@ -1196,7 +1196,7 @@
     </p:spTree>
     <p:extLst>
       <p:ext uri="{BB962C8B-B14F-4D97-AF65-F5344CB8AC3E}">
-        <p14:creationId xmlns:p14="http://schemas.microsoft.com/office/powerpoint/2010/main" val="2213089554"/>
+        <p14:creationId xmlns:p14="http://schemas.microsoft.com/office/powerpoint/2010/main" val="3535988576"/>
       </p:ext>
     </p:extLst>
   </p:cSld>
@@ -1228,7 +1228,7 @@
           <p:cNvPr id="2" name="标题 1">
             <a:extLst>
               <a:ext uri="{FF2B5EF4-FFF2-40B4-BE49-F238E27FC236}">
-                <a16:creationId xmlns:a16="http://schemas.microsoft.com/office/drawing/2014/main" id="{C9B5697F-0AC9-6748-1F31-468343D5F301}"/>
+                <a16:creationId xmlns:a16="http://schemas.microsoft.com/office/drawing/2014/main" id="{D050F00C-A853-B839-B754-EFF29A7D6279}"/>
               </a:ext>
             </a:extLst>
           </p:cNvPr>
@@ -1256,7 +1256,7 @@
           <p:cNvPr id="3" name="内容占位符 2">
             <a:extLst>
               <a:ext uri="{FF2B5EF4-FFF2-40B4-BE49-F238E27FC236}">
-                <a16:creationId xmlns:a16="http://schemas.microsoft.com/office/drawing/2014/main" id="{802C0B58-54DC-99D7-5A49-22038DE4A124}"/>
+                <a16:creationId xmlns:a16="http://schemas.microsoft.com/office/drawing/2014/main" id="{05158B0C-B40A-6D89-8694-03C3C6524E0C}"/>
               </a:ext>
             </a:extLst>
           </p:cNvPr>
@@ -1318,7 +1318,7 @@
           <p:cNvPr id="4" name="内容占位符 3">
             <a:extLst>
               <a:ext uri="{FF2B5EF4-FFF2-40B4-BE49-F238E27FC236}">
-                <a16:creationId xmlns:a16="http://schemas.microsoft.com/office/drawing/2014/main" id="{CCA2BFE6-01A6-AB0A-BF4A-A66EE3751CA7}"/>
+                <a16:creationId xmlns:a16="http://schemas.microsoft.com/office/drawing/2014/main" id="{29CFE9CE-26ED-4BA8-A722-CA8EFC0DA833}"/>
               </a:ext>
             </a:extLst>
           </p:cNvPr>
@@ -1380,7 +1380,7 @@
           <p:cNvPr id="5" name="日期占位符 4">
             <a:extLst>
               <a:ext uri="{FF2B5EF4-FFF2-40B4-BE49-F238E27FC236}">
-                <a16:creationId xmlns:a16="http://schemas.microsoft.com/office/drawing/2014/main" id="{3C344E82-112C-4472-D4ED-1D365B0E81E2}"/>
+                <a16:creationId xmlns:a16="http://schemas.microsoft.com/office/drawing/2014/main" id="{C271C3ED-A8DC-060A-F505-8FDC52FF4D72}"/>
               </a:ext>
             </a:extLst>
           </p:cNvPr>
@@ -1396,7 +1396,7 @@
           <a:bodyPr/>
           <a:lstStyle/>
           <a:p>
-            <a:fld id="{812EF347-3A69-46C2-8F37-13431322BC4E}" type="datetimeFigureOut">
+            <a:fld id="{0CD3305D-1596-4F1C-8A5C-B8B9FDF45609}" type="datetimeFigureOut">
               <a:rPr lang="zh-CN" altLang="en-US" smtClean="0"/>
               <a:t>2024/3/10</a:t>
             </a:fld>
@@ -1409,7 +1409,7 @@
           <p:cNvPr id="6" name="页脚占位符 5">
             <a:extLst>
               <a:ext uri="{FF2B5EF4-FFF2-40B4-BE49-F238E27FC236}">
-                <a16:creationId xmlns:a16="http://schemas.microsoft.com/office/drawing/2014/main" id="{4E88D824-E7BC-F87E-10C7-807E18D65271}"/>
+                <a16:creationId xmlns:a16="http://schemas.microsoft.com/office/drawing/2014/main" id="{6BCED475-CF05-7F40-B8C0-8E8241E8ACBB}"/>
               </a:ext>
             </a:extLst>
           </p:cNvPr>
@@ -1434,7 +1434,7 @@
           <p:cNvPr id="7" name="灯片编号占位符 6">
             <a:extLst>
               <a:ext uri="{FF2B5EF4-FFF2-40B4-BE49-F238E27FC236}">
-                <a16:creationId xmlns:a16="http://schemas.microsoft.com/office/drawing/2014/main" id="{278FC8B5-1ACD-CFE1-5E5F-C2AC110D8B4D}"/>
+                <a16:creationId xmlns:a16="http://schemas.microsoft.com/office/drawing/2014/main" id="{4C384E80-EDA2-8B2E-29E4-79D6B7D7CD23}"/>
               </a:ext>
             </a:extLst>
           </p:cNvPr>
@@ -1450,7 +1450,7 @@
           <a:bodyPr/>
           <a:lstStyle/>
           <a:p>
-            <a:fld id="{07913BE9-4361-4171-8EAB-358602CAEF7C}" type="slidenum">
+            <a:fld id="{E0C4478A-B37C-4828-B1B3-674805403F8A}" type="slidenum">
               <a:rPr lang="zh-CN" altLang="en-US" smtClean="0"/>
               <a:t>‹#›</a:t>
             </a:fld>
@@ -1461,7 +1461,7 @@
     </p:spTree>
     <p:extLst>
       <p:ext uri="{BB962C8B-B14F-4D97-AF65-F5344CB8AC3E}">
-        <p14:creationId xmlns:p14="http://schemas.microsoft.com/office/powerpoint/2010/main" val="360628611"/>
+        <p14:creationId xmlns:p14="http://schemas.microsoft.com/office/powerpoint/2010/main" val="3563031698"/>
       </p:ext>
     </p:extLst>
   </p:cSld>
@@ -1493,7 +1493,7 @@
           <p:cNvPr id="2" name="标题 1">
             <a:extLst>
               <a:ext uri="{FF2B5EF4-FFF2-40B4-BE49-F238E27FC236}">
-                <a16:creationId xmlns:a16="http://schemas.microsoft.com/office/drawing/2014/main" id="{905534D9-A14A-50A6-7580-F7630AE82417}"/>
+                <a16:creationId xmlns:a16="http://schemas.microsoft.com/office/drawing/2014/main" id="{E26347B6-56DB-F8DC-E565-021CE7C47B8E}"/>
               </a:ext>
             </a:extLst>
           </p:cNvPr>
@@ -1526,7 +1526,7 @@
           <p:cNvPr id="3" name="文本占位符 2">
             <a:extLst>
               <a:ext uri="{FF2B5EF4-FFF2-40B4-BE49-F238E27FC236}">
-                <a16:creationId xmlns:a16="http://schemas.microsoft.com/office/drawing/2014/main" id="{BA065E65-3FF2-43C0-6FAB-B324C97B74B6}"/>
+                <a16:creationId xmlns:a16="http://schemas.microsoft.com/office/drawing/2014/main" id="{6E3DBADA-75BE-81DC-1D2D-D7E1E3737739}"/>
               </a:ext>
             </a:extLst>
           </p:cNvPr>
@@ -1597,7 +1597,7 @@
           <p:cNvPr id="4" name="内容占位符 3">
             <a:extLst>
               <a:ext uri="{FF2B5EF4-FFF2-40B4-BE49-F238E27FC236}">
-                <a16:creationId xmlns:a16="http://schemas.microsoft.com/office/drawing/2014/main" id="{D85093EF-41EA-5954-03F8-E2B71FAE6F37}"/>
+                <a16:creationId xmlns:a16="http://schemas.microsoft.com/office/drawing/2014/main" id="{942BFDCB-09BA-8FD4-CDD1-08BAAEA43556}"/>
               </a:ext>
             </a:extLst>
           </p:cNvPr>
@@ -1659,7 +1659,7 @@
           <p:cNvPr id="5" name="文本占位符 4">
             <a:extLst>
               <a:ext uri="{FF2B5EF4-FFF2-40B4-BE49-F238E27FC236}">
-                <a16:creationId xmlns:a16="http://schemas.microsoft.com/office/drawing/2014/main" id="{0B7CF710-C4E3-ED9F-9D3B-EE45F0B0FB0E}"/>
+                <a16:creationId xmlns:a16="http://schemas.microsoft.com/office/drawing/2014/main" id="{971FC9B3-402E-CDE7-5818-B121EC0EF54A}"/>
               </a:ext>
             </a:extLst>
           </p:cNvPr>
@@ -1730,7 +1730,7 @@
           <p:cNvPr id="6" name="内容占位符 5">
             <a:extLst>
               <a:ext uri="{FF2B5EF4-FFF2-40B4-BE49-F238E27FC236}">
-                <a16:creationId xmlns:a16="http://schemas.microsoft.com/office/drawing/2014/main" id="{9165C7BC-0CF4-DAA2-F10A-41C52881E90A}"/>
+                <a16:creationId xmlns:a16="http://schemas.microsoft.com/office/drawing/2014/main" id="{9D799E37-69B7-776B-7905-ACE9DDB0A2F7}"/>
               </a:ext>
             </a:extLst>
           </p:cNvPr>
@@ -1792,7 +1792,7 @@
           <p:cNvPr id="7" name="日期占位符 6">
             <a:extLst>
               <a:ext uri="{FF2B5EF4-FFF2-40B4-BE49-F238E27FC236}">
-                <a16:creationId xmlns:a16="http://schemas.microsoft.com/office/drawing/2014/main" id="{0D8479D3-BFFA-C3E5-A279-F00214FA2062}"/>
+                <a16:creationId xmlns:a16="http://schemas.microsoft.com/office/drawing/2014/main" id="{35B701B5-01C2-436B-56C0-40E76D365072}"/>
               </a:ext>
             </a:extLst>
           </p:cNvPr>
@@ -1808,7 +1808,7 @@
           <a:bodyPr/>
           <a:lstStyle/>
           <a:p>
-            <a:fld id="{812EF347-3A69-46C2-8F37-13431322BC4E}" type="datetimeFigureOut">
+            <a:fld id="{0CD3305D-1596-4F1C-8A5C-B8B9FDF45609}" type="datetimeFigureOut">
               <a:rPr lang="zh-CN" altLang="en-US" smtClean="0"/>
               <a:t>2024/3/10</a:t>
             </a:fld>
@@ -1821,7 +1821,7 @@
           <p:cNvPr id="8" name="页脚占位符 7">
             <a:extLst>
               <a:ext uri="{FF2B5EF4-FFF2-40B4-BE49-F238E27FC236}">
-                <a16:creationId xmlns:a16="http://schemas.microsoft.com/office/drawing/2014/main" id="{F520E929-2278-9223-93C6-B572589DD3D2}"/>
+                <a16:creationId xmlns:a16="http://schemas.microsoft.com/office/drawing/2014/main" id="{A366F00F-2DE3-11EE-4C3E-30AA8E190823}"/>
               </a:ext>
             </a:extLst>
           </p:cNvPr>
@@ -1846,7 +1846,7 @@
           <p:cNvPr id="9" name="灯片编号占位符 8">
             <a:extLst>
               <a:ext uri="{FF2B5EF4-FFF2-40B4-BE49-F238E27FC236}">
-                <a16:creationId xmlns:a16="http://schemas.microsoft.com/office/drawing/2014/main" id="{85ECC4D2-D5CB-ED31-665A-8DD8449814D0}"/>
+                <a16:creationId xmlns:a16="http://schemas.microsoft.com/office/drawing/2014/main" id="{A169B391-5F16-B843-2ED7-3923C90304AA}"/>
               </a:ext>
             </a:extLst>
           </p:cNvPr>
@@ -1862,7 +1862,7 @@
           <a:bodyPr/>
           <a:lstStyle/>
           <a:p>
-            <a:fld id="{07913BE9-4361-4171-8EAB-358602CAEF7C}" type="slidenum">
+            <a:fld id="{E0C4478A-B37C-4828-B1B3-674805403F8A}" type="slidenum">
               <a:rPr lang="zh-CN" altLang="en-US" smtClean="0"/>
               <a:t>‹#›</a:t>
             </a:fld>
@@ -1873,7 +1873,7 @@
     </p:spTree>
     <p:extLst>
       <p:ext uri="{BB962C8B-B14F-4D97-AF65-F5344CB8AC3E}">
-        <p14:creationId xmlns:p14="http://schemas.microsoft.com/office/powerpoint/2010/main" val="1815973874"/>
+        <p14:creationId xmlns:p14="http://schemas.microsoft.com/office/powerpoint/2010/main" val="4055502049"/>
       </p:ext>
     </p:extLst>
   </p:cSld>
@@ -1905,7 +1905,7 @@
           <p:cNvPr id="2" name="标题 1">
             <a:extLst>
               <a:ext uri="{FF2B5EF4-FFF2-40B4-BE49-F238E27FC236}">
-                <a16:creationId xmlns:a16="http://schemas.microsoft.com/office/drawing/2014/main" id="{1350A0A9-F51C-56C7-D128-0CA27E92AA8D}"/>
+                <a16:creationId xmlns:a16="http://schemas.microsoft.com/office/drawing/2014/main" id="{08295410-F002-F102-0CC9-E8DFF459DA63}"/>
               </a:ext>
             </a:extLst>
           </p:cNvPr>
@@ -1933,7 +1933,7 @@
           <p:cNvPr id="3" name="日期占位符 2">
             <a:extLst>
               <a:ext uri="{FF2B5EF4-FFF2-40B4-BE49-F238E27FC236}">
-                <a16:creationId xmlns:a16="http://schemas.microsoft.com/office/drawing/2014/main" id="{7E1C5C80-C260-14F7-EF34-254B1088AC16}"/>
+                <a16:creationId xmlns:a16="http://schemas.microsoft.com/office/drawing/2014/main" id="{45183C82-F9A4-D597-DB23-E0C35E6178C5}"/>
               </a:ext>
             </a:extLst>
           </p:cNvPr>
@@ -1949,7 +1949,7 @@
           <a:bodyPr/>
           <a:lstStyle/>
           <a:p>
-            <a:fld id="{812EF347-3A69-46C2-8F37-13431322BC4E}" type="datetimeFigureOut">
+            <a:fld id="{0CD3305D-1596-4F1C-8A5C-B8B9FDF45609}" type="datetimeFigureOut">
               <a:rPr lang="zh-CN" altLang="en-US" smtClean="0"/>
               <a:t>2024/3/10</a:t>
             </a:fld>
@@ -1962,7 +1962,7 @@
           <p:cNvPr id="4" name="页脚占位符 3">
             <a:extLst>
               <a:ext uri="{FF2B5EF4-FFF2-40B4-BE49-F238E27FC236}">
-                <a16:creationId xmlns:a16="http://schemas.microsoft.com/office/drawing/2014/main" id="{FD2F76D4-029D-B99F-9BA4-1F9897C8D10A}"/>
+                <a16:creationId xmlns:a16="http://schemas.microsoft.com/office/drawing/2014/main" id="{03EAF860-9864-C0AB-07DD-4263A742E818}"/>
               </a:ext>
             </a:extLst>
           </p:cNvPr>
@@ -1987,7 +1987,7 @@
           <p:cNvPr id="5" name="灯片编号占位符 4">
             <a:extLst>
               <a:ext uri="{FF2B5EF4-FFF2-40B4-BE49-F238E27FC236}">
-                <a16:creationId xmlns:a16="http://schemas.microsoft.com/office/drawing/2014/main" id="{8A1AD040-684E-B449-9C7A-CB11C54FBD80}"/>
+                <a16:creationId xmlns:a16="http://schemas.microsoft.com/office/drawing/2014/main" id="{AC7BEA1B-9C86-1CDB-949B-78F5860DC51F}"/>
               </a:ext>
             </a:extLst>
           </p:cNvPr>
@@ -2003,7 +2003,7 @@
           <a:bodyPr/>
           <a:lstStyle/>
           <a:p>
-            <a:fld id="{07913BE9-4361-4171-8EAB-358602CAEF7C}" type="slidenum">
+            <a:fld id="{E0C4478A-B37C-4828-B1B3-674805403F8A}" type="slidenum">
               <a:rPr lang="zh-CN" altLang="en-US" smtClean="0"/>
               <a:t>‹#›</a:t>
             </a:fld>
@@ -2014,7 +2014,7 @@
     </p:spTree>
     <p:extLst>
       <p:ext uri="{BB962C8B-B14F-4D97-AF65-F5344CB8AC3E}">
-        <p14:creationId xmlns:p14="http://schemas.microsoft.com/office/powerpoint/2010/main" val="3426938670"/>
+        <p14:creationId xmlns:p14="http://schemas.microsoft.com/office/powerpoint/2010/main" val="1732576848"/>
       </p:ext>
     </p:extLst>
   </p:cSld>
@@ -2046,7 +2046,7 @@
           <p:cNvPr id="2" name="日期占位符 1">
             <a:extLst>
               <a:ext uri="{FF2B5EF4-FFF2-40B4-BE49-F238E27FC236}">
-                <a16:creationId xmlns:a16="http://schemas.microsoft.com/office/drawing/2014/main" id="{E5263DCA-1DFB-2CC9-2C72-6C4E9B79C5C1}"/>
+                <a16:creationId xmlns:a16="http://schemas.microsoft.com/office/drawing/2014/main" id="{20B1F153-70CB-B963-43EC-07D3AB558352}"/>
               </a:ext>
             </a:extLst>
           </p:cNvPr>
@@ -2062,7 +2062,7 @@
           <a:bodyPr/>
           <a:lstStyle/>
           <a:p>
-            <a:fld id="{812EF347-3A69-46C2-8F37-13431322BC4E}" type="datetimeFigureOut">
+            <a:fld id="{0CD3305D-1596-4F1C-8A5C-B8B9FDF45609}" type="datetimeFigureOut">
               <a:rPr lang="zh-CN" altLang="en-US" smtClean="0"/>
               <a:t>2024/3/10</a:t>
             </a:fld>
@@ -2075,7 +2075,7 @@
           <p:cNvPr id="3" name="页脚占位符 2">
             <a:extLst>
               <a:ext uri="{FF2B5EF4-FFF2-40B4-BE49-F238E27FC236}">
-                <a16:creationId xmlns:a16="http://schemas.microsoft.com/office/drawing/2014/main" id="{E9E8F5FB-F813-8C3E-BD47-246EFB223D4E}"/>
+                <a16:creationId xmlns:a16="http://schemas.microsoft.com/office/drawing/2014/main" id="{BBE768F7-11DD-11D3-F908-E801AB1D59F4}"/>
               </a:ext>
             </a:extLst>
           </p:cNvPr>
@@ -2100,7 +2100,7 @@
           <p:cNvPr id="4" name="灯片编号占位符 3">
             <a:extLst>
               <a:ext uri="{FF2B5EF4-FFF2-40B4-BE49-F238E27FC236}">
-                <a16:creationId xmlns:a16="http://schemas.microsoft.com/office/drawing/2014/main" id="{BB770C75-F47E-6396-AE7A-A580B6ECD479}"/>
+                <a16:creationId xmlns:a16="http://schemas.microsoft.com/office/drawing/2014/main" id="{F527B11A-D6DD-7B4E-D726-B17EE31E5BDD}"/>
               </a:ext>
             </a:extLst>
           </p:cNvPr>
@@ -2116,7 +2116,7 @@
           <a:bodyPr/>
           <a:lstStyle/>
           <a:p>
-            <a:fld id="{07913BE9-4361-4171-8EAB-358602CAEF7C}" type="slidenum">
+            <a:fld id="{E0C4478A-B37C-4828-B1B3-674805403F8A}" type="slidenum">
               <a:rPr lang="zh-CN" altLang="en-US" smtClean="0"/>
               <a:t>‹#›</a:t>
             </a:fld>
@@ -2127,7 +2127,7 @@
     </p:spTree>
     <p:extLst>
       <p:ext uri="{BB962C8B-B14F-4D97-AF65-F5344CB8AC3E}">
-        <p14:creationId xmlns:p14="http://schemas.microsoft.com/office/powerpoint/2010/main" val="3864691159"/>
+        <p14:creationId xmlns:p14="http://schemas.microsoft.com/office/powerpoint/2010/main" val="2128792489"/>
       </p:ext>
     </p:extLst>
   </p:cSld>
@@ -2159,7 +2159,7 @@
           <p:cNvPr id="2" name="标题 1">
             <a:extLst>
               <a:ext uri="{FF2B5EF4-FFF2-40B4-BE49-F238E27FC236}">
-                <a16:creationId xmlns:a16="http://schemas.microsoft.com/office/drawing/2014/main" id="{00D8C299-2361-A665-4B7A-36CEB5BE4BE4}"/>
+                <a16:creationId xmlns:a16="http://schemas.microsoft.com/office/drawing/2014/main" id="{57CA8538-2215-F9C8-2140-F37E316D8DB9}"/>
               </a:ext>
             </a:extLst>
           </p:cNvPr>
@@ -2196,7 +2196,7 @@
           <p:cNvPr id="3" name="内容占位符 2">
             <a:extLst>
               <a:ext uri="{FF2B5EF4-FFF2-40B4-BE49-F238E27FC236}">
-                <a16:creationId xmlns:a16="http://schemas.microsoft.com/office/drawing/2014/main" id="{0F8D301A-4D74-D2CB-B91A-CA486F59464A}"/>
+                <a16:creationId xmlns:a16="http://schemas.microsoft.com/office/drawing/2014/main" id="{98D2C41E-5D69-5B08-5CCC-BB117671043C}"/>
               </a:ext>
             </a:extLst>
           </p:cNvPr>
@@ -2286,7 +2286,7 @@
           <p:cNvPr id="4" name="文本占位符 3">
             <a:extLst>
               <a:ext uri="{FF2B5EF4-FFF2-40B4-BE49-F238E27FC236}">
-                <a16:creationId xmlns:a16="http://schemas.microsoft.com/office/drawing/2014/main" id="{E00D6FEF-7A76-58C4-D99F-C31F4CE2A9C5}"/>
+                <a16:creationId xmlns:a16="http://schemas.microsoft.com/office/drawing/2014/main" id="{65293D4B-6F87-70E2-D9E2-D6C7A79F21DE}"/>
               </a:ext>
             </a:extLst>
           </p:cNvPr>
@@ -2357,7 +2357,7 @@
           <p:cNvPr id="5" name="日期占位符 4">
             <a:extLst>
               <a:ext uri="{FF2B5EF4-FFF2-40B4-BE49-F238E27FC236}">
-                <a16:creationId xmlns:a16="http://schemas.microsoft.com/office/drawing/2014/main" id="{D77BAFCB-2ACD-9120-C6DB-0C66A74B1120}"/>
+                <a16:creationId xmlns:a16="http://schemas.microsoft.com/office/drawing/2014/main" id="{E5A3E442-8708-776D-7BC2-9D123AEC61A1}"/>
               </a:ext>
             </a:extLst>
           </p:cNvPr>
@@ -2373,7 +2373,7 @@
           <a:bodyPr/>
           <a:lstStyle/>
           <a:p>
-            <a:fld id="{812EF347-3A69-46C2-8F37-13431322BC4E}" type="datetimeFigureOut">
+            <a:fld id="{0CD3305D-1596-4F1C-8A5C-B8B9FDF45609}" type="datetimeFigureOut">
               <a:rPr lang="zh-CN" altLang="en-US" smtClean="0"/>
               <a:t>2024/3/10</a:t>
             </a:fld>
@@ -2386,7 +2386,7 @@
           <p:cNvPr id="6" name="页脚占位符 5">
             <a:extLst>
               <a:ext uri="{FF2B5EF4-FFF2-40B4-BE49-F238E27FC236}">
-                <a16:creationId xmlns:a16="http://schemas.microsoft.com/office/drawing/2014/main" id="{F9B89D35-4BEA-C681-2BD1-A16F214D0646}"/>
+                <a16:creationId xmlns:a16="http://schemas.microsoft.com/office/drawing/2014/main" id="{C6E27E85-B5B3-DC27-8AC0-81FCCA65F8D5}"/>
               </a:ext>
             </a:extLst>
           </p:cNvPr>
@@ -2411,7 +2411,7 @@
           <p:cNvPr id="7" name="灯片编号占位符 6">
             <a:extLst>
               <a:ext uri="{FF2B5EF4-FFF2-40B4-BE49-F238E27FC236}">
-                <a16:creationId xmlns:a16="http://schemas.microsoft.com/office/drawing/2014/main" id="{5EA2A54F-925D-1088-3578-2CF007A54E83}"/>
+                <a16:creationId xmlns:a16="http://schemas.microsoft.com/office/drawing/2014/main" id="{8491EC21-2663-8CD0-FEDE-5665FB85DC72}"/>
               </a:ext>
             </a:extLst>
           </p:cNvPr>
@@ -2427,7 +2427,7 @@
           <a:bodyPr/>
           <a:lstStyle/>
           <a:p>
-            <a:fld id="{07913BE9-4361-4171-8EAB-358602CAEF7C}" type="slidenum">
+            <a:fld id="{E0C4478A-B37C-4828-B1B3-674805403F8A}" type="slidenum">
               <a:rPr lang="zh-CN" altLang="en-US" smtClean="0"/>
               <a:t>‹#›</a:t>
             </a:fld>
@@ -2438,7 +2438,7 @@
     </p:spTree>
     <p:extLst>
       <p:ext uri="{BB962C8B-B14F-4D97-AF65-F5344CB8AC3E}">
-        <p14:creationId xmlns:p14="http://schemas.microsoft.com/office/powerpoint/2010/main" val="1158635166"/>
+        <p14:creationId xmlns:p14="http://schemas.microsoft.com/office/powerpoint/2010/main" val="869844193"/>
       </p:ext>
     </p:extLst>
   </p:cSld>
@@ -2470,7 +2470,7 @@
           <p:cNvPr id="2" name="标题 1">
             <a:extLst>
               <a:ext uri="{FF2B5EF4-FFF2-40B4-BE49-F238E27FC236}">
-                <a16:creationId xmlns:a16="http://schemas.microsoft.com/office/drawing/2014/main" id="{FC0B8A7D-23C8-0069-DBA4-94D2BFCF5831}"/>
+                <a16:creationId xmlns:a16="http://schemas.microsoft.com/office/drawing/2014/main" id="{12DDC2AB-EB34-4395-D0F3-6CD6FFB98D2A}"/>
               </a:ext>
             </a:extLst>
           </p:cNvPr>
@@ -2507,7 +2507,7 @@
           <p:cNvPr id="3" name="图片占位符 2">
             <a:extLst>
               <a:ext uri="{FF2B5EF4-FFF2-40B4-BE49-F238E27FC236}">
-                <a16:creationId xmlns:a16="http://schemas.microsoft.com/office/drawing/2014/main" id="{F52CE19C-C071-A94C-B943-A3E09513DC6F}"/>
+                <a16:creationId xmlns:a16="http://schemas.microsoft.com/office/drawing/2014/main" id="{9D3E5DC5-9AE2-F9BF-9182-3E55B91B573B}"/>
               </a:ext>
             </a:extLst>
           </p:cNvPr>
@@ -2574,7 +2574,7 @@
           <p:cNvPr id="4" name="文本占位符 3">
             <a:extLst>
               <a:ext uri="{FF2B5EF4-FFF2-40B4-BE49-F238E27FC236}">
-                <a16:creationId xmlns:a16="http://schemas.microsoft.com/office/drawing/2014/main" id="{105CAB26-66ED-414F-46E2-06613EE56373}"/>
+                <a16:creationId xmlns:a16="http://schemas.microsoft.com/office/drawing/2014/main" id="{9CD22F1F-4443-0EF3-2F4B-3ECF520906F0}"/>
               </a:ext>
             </a:extLst>
           </p:cNvPr>
@@ -2645,7 +2645,7 @@
           <p:cNvPr id="5" name="日期占位符 4">
             <a:extLst>
               <a:ext uri="{FF2B5EF4-FFF2-40B4-BE49-F238E27FC236}">
-                <a16:creationId xmlns:a16="http://schemas.microsoft.com/office/drawing/2014/main" id="{BDC11FB6-2B2B-8F5B-4DD9-C097CC373C81}"/>
+                <a16:creationId xmlns:a16="http://schemas.microsoft.com/office/drawing/2014/main" id="{6FAC7199-8A32-A9F8-0E18-4F006CA64676}"/>
               </a:ext>
             </a:extLst>
           </p:cNvPr>
@@ -2661,7 +2661,7 @@
           <a:bodyPr/>
           <a:lstStyle/>
           <a:p>
-            <a:fld id="{812EF347-3A69-46C2-8F37-13431322BC4E}" type="datetimeFigureOut">
+            <a:fld id="{0CD3305D-1596-4F1C-8A5C-B8B9FDF45609}" type="datetimeFigureOut">
               <a:rPr lang="zh-CN" altLang="en-US" smtClean="0"/>
               <a:t>2024/3/10</a:t>
             </a:fld>
@@ -2674,7 +2674,7 @@
           <p:cNvPr id="6" name="页脚占位符 5">
             <a:extLst>
               <a:ext uri="{FF2B5EF4-FFF2-40B4-BE49-F238E27FC236}">
-                <a16:creationId xmlns:a16="http://schemas.microsoft.com/office/drawing/2014/main" id="{B73E06F5-1960-F872-DFF9-2CCFCD3B667D}"/>
+                <a16:creationId xmlns:a16="http://schemas.microsoft.com/office/drawing/2014/main" id="{9E8D5892-8A40-92CD-BF84-40F9EC6904BE}"/>
               </a:ext>
             </a:extLst>
           </p:cNvPr>
@@ -2699,7 +2699,7 @@
           <p:cNvPr id="7" name="灯片编号占位符 6">
             <a:extLst>
               <a:ext uri="{FF2B5EF4-FFF2-40B4-BE49-F238E27FC236}">
-                <a16:creationId xmlns:a16="http://schemas.microsoft.com/office/drawing/2014/main" id="{86D2B392-929E-3AF1-4D2E-2FFA5C470366}"/>
+                <a16:creationId xmlns:a16="http://schemas.microsoft.com/office/drawing/2014/main" id="{30D322B8-BA4F-B7C0-57D0-6718EC4C24ED}"/>
               </a:ext>
             </a:extLst>
           </p:cNvPr>
@@ -2715,7 +2715,7 @@
           <a:bodyPr/>
           <a:lstStyle/>
           <a:p>
-            <a:fld id="{07913BE9-4361-4171-8EAB-358602CAEF7C}" type="slidenum">
+            <a:fld id="{E0C4478A-B37C-4828-B1B3-674805403F8A}" type="slidenum">
               <a:rPr lang="zh-CN" altLang="en-US" smtClean="0"/>
               <a:t>‹#›</a:t>
             </a:fld>
@@ -2726,7 +2726,7 @@
     </p:spTree>
     <p:extLst>
       <p:ext uri="{BB962C8B-B14F-4D97-AF65-F5344CB8AC3E}">
-        <p14:creationId xmlns:p14="http://schemas.microsoft.com/office/powerpoint/2010/main" val="1860018877"/>
+        <p14:creationId xmlns:p14="http://schemas.microsoft.com/office/powerpoint/2010/main" val="2314660946"/>
       </p:ext>
     </p:extLst>
   </p:cSld>
@@ -2763,7 +2763,7 @@
           <p:cNvPr id="2" name="标题占位符 1">
             <a:extLst>
               <a:ext uri="{FF2B5EF4-FFF2-40B4-BE49-F238E27FC236}">
-                <a16:creationId xmlns:a16="http://schemas.microsoft.com/office/drawing/2014/main" id="{ED8F9955-E8E1-2519-9D03-22D97F6BBF57}"/>
+                <a16:creationId xmlns:a16="http://schemas.microsoft.com/office/drawing/2014/main" id="{057C3BDA-4A39-3A08-46D5-8398CD1CCBB0}"/>
               </a:ext>
             </a:extLst>
           </p:cNvPr>
@@ -2801,7 +2801,7 @@
           <p:cNvPr id="3" name="文本占位符 2">
             <a:extLst>
               <a:ext uri="{FF2B5EF4-FFF2-40B4-BE49-F238E27FC236}">
-                <a16:creationId xmlns:a16="http://schemas.microsoft.com/office/drawing/2014/main" id="{F657BDF8-1363-8D84-22A7-A6E0A6BEB67E}"/>
+                <a16:creationId xmlns:a16="http://schemas.microsoft.com/office/drawing/2014/main" id="{E4DD6D38-BDAA-B790-FBDA-0058E4795F97}"/>
               </a:ext>
             </a:extLst>
           </p:cNvPr>
@@ -2868,7 +2868,7 @@
           <p:cNvPr id="4" name="日期占位符 3">
             <a:extLst>
               <a:ext uri="{FF2B5EF4-FFF2-40B4-BE49-F238E27FC236}">
-                <a16:creationId xmlns:a16="http://schemas.microsoft.com/office/drawing/2014/main" id="{668F9B92-13DF-C4BA-A513-46B9D4A23DD2}"/>
+                <a16:creationId xmlns:a16="http://schemas.microsoft.com/office/drawing/2014/main" id="{E5595195-0184-D875-E33A-C9CEBBD5FDCF}"/>
               </a:ext>
             </a:extLst>
           </p:cNvPr>
@@ -2902,7 +2902,7 @@
             </a:lvl1pPr>
           </a:lstStyle>
           <a:p>
-            <a:fld id="{812EF347-3A69-46C2-8F37-13431322BC4E}" type="datetimeFigureOut">
+            <a:fld id="{0CD3305D-1596-4F1C-8A5C-B8B9FDF45609}" type="datetimeFigureOut">
               <a:rPr lang="zh-CN" altLang="en-US" smtClean="0"/>
               <a:t>2024/3/10</a:t>
             </a:fld>
@@ -2915,7 +2915,7 @@
           <p:cNvPr id="5" name="页脚占位符 4">
             <a:extLst>
               <a:ext uri="{FF2B5EF4-FFF2-40B4-BE49-F238E27FC236}">
-                <a16:creationId xmlns:a16="http://schemas.microsoft.com/office/drawing/2014/main" id="{AB56C13E-A4C0-177A-564B-EACCC0382288}"/>
+                <a16:creationId xmlns:a16="http://schemas.microsoft.com/office/drawing/2014/main" id="{DD74D235-AC51-8970-10B5-D6C85B24EE4B}"/>
               </a:ext>
             </a:extLst>
           </p:cNvPr>
@@ -2958,7 +2958,7 @@
           <p:cNvPr id="6" name="灯片编号占位符 5">
             <a:extLst>
               <a:ext uri="{FF2B5EF4-FFF2-40B4-BE49-F238E27FC236}">
-                <a16:creationId xmlns:a16="http://schemas.microsoft.com/office/drawing/2014/main" id="{C930280B-9933-89B4-A690-ED035F107CDD}"/>
+                <a16:creationId xmlns:a16="http://schemas.microsoft.com/office/drawing/2014/main" id="{0CA2976C-4CD8-29C3-88C6-59FD3215940F}"/>
               </a:ext>
             </a:extLst>
           </p:cNvPr>
@@ -2992,7 +2992,7 @@
             </a:lvl1pPr>
           </a:lstStyle>
           <a:p>
-            <a:fld id="{07913BE9-4361-4171-8EAB-358602CAEF7C}" type="slidenum">
+            <a:fld id="{E0C4478A-B37C-4828-B1B3-674805403F8A}" type="slidenum">
               <a:rPr lang="zh-CN" altLang="en-US" smtClean="0"/>
               <a:t>‹#›</a:t>
             </a:fld>
@@ -3003,7 +3003,7 @@
     </p:spTree>
     <p:extLst>
       <p:ext uri="{BB962C8B-B14F-4D97-AF65-F5344CB8AC3E}">
-        <p14:creationId xmlns:p14="http://schemas.microsoft.com/office/powerpoint/2010/main" val="751380775"/>
+        <p14:creationId xmlns:p14="http://schemas.microsoft.com/office/powerpoint/2010/main" val="2650460503"/>
       </p:ext>
     </p:extLst>
   </p:cSld>
